--- a/Змейка.pptx
+++ b/Змейка.pptx
@@ -7,9 +7,10 @@
   <p:sldIdLst>
     <p:sldId id="256" r:id="rId2"/>
     <p:sldId id="257" r:id="rId3"/>
-    <p:sldId id="258" r:id="rId4"/>
-    <p:sldId id="259" r:id="rId5"/>
-    <p:sldId id="261" r:id="rId6"/>
+    <p:sldId id="262" r:id="rId4"/>
+    <p:sldId id="258" r:id="rId5"/>
+    <p:sldId id="259" r:id="rId6"/>
+    <p:sldId id="261" r:id="rId7"/>
   </p:sldIdLst>
   <p:sldSz cx="12192000" cy="6858000"/>
   <p:notesSz cx="6858000" cy="9144000"/>
@@ -108,6 +109,11 @@
       </a:defRPr>
     </a:lvl9pPr>
   </p:defaultTextStyle>
+  <p:extLst>
+    <p:ext uri="{EFAFB233-063F-42B5-8137-9DF3F51BA10A}">
+      <p15:sldGuideLst xmlns:p15="http://schemas.microsoft.com/office/powerpoint/2012/main"/>
+    </p:ext>
+  </p:extLst>
 </p:presentation>
 </file>
 
@@ -5505,6 +5511,13 @@
   <p:clrMapOvr>
     <a:masterClrMapping/>
   </p:clrMapOvr>
+  <p:timing>
+    <p:tnLst>
+      <p:par>
+        <p:cTn id="1" dur="indefinite" restart="never" nodeType="tmRoot"/>
+      </p:par>
+    </p:tnLst>
+  </p:timing>
 </p:sld>
 </file>
 
@@ -5525,9 +5538,123 @@
           <a:chExt cx="0" cy="0"/>
         </a:xfrm>
       </p:grpSpPr>
+      <p:sp>
+        <p:nvSpPr>
+          <p:cNvPr id="4" name="Объект 3"/>
+          <p:cNvSpPr>
+            <a:spLocks noGrp="1"/>
+          </p:cNvSpPr>
+          <p:nvPr>
+            <p:ph sz="half" idx="2"/>
+          </p:nvPr>
+        </p:nvSpPr>
+        <p:spPr>
+          <a:xfrm>
+            <a:off x="5869578" y="1166558"/>
+            <a:ext cx="5282338" cy="4223081"/>
+          </a:xfrm>
+        </p:spPr>
+        <p:txBody>
+          <a:bodyPr>
+            <a:normAutofit/>
+          </a:bodyPr>
+          <a:lstStyle/>
+          <a:p>
+            <a:r>
+              <a:rPr lang="ru-RU" sz="2400" dirty="0" smtClean="0">
+                <a:solidFill>
+                  <a:schemeClr val="tx1"/>
+                </a:solidFill>
+                <a:latin typeface="Times New Roman" panose="02020603050405020304" pitchFamily="18" charset="0"/>
+                <a:cs typeface="Times New Roman" panose="02020603050405020304" pitchFamily="18" charset="0"/>
+              </a:rPr>
+              <a:t>Это Змейка. </a:t>
+            </a:r>
+            <a:r>
+              <a:rPr lang="ru-RU" sz="2400" dirty="0" smtClean="0">
+                <a:solidFill>
+                  <a:schemeClr val="tx1"/>
+                </a:solidFill>
+                <a:latin typeface="Times New Roman" panose="02020603050405020304" pitchFamily="18" charset="0"/>
+                <a:cs typeface="Times New Roman" panose="02020603050405020304" pitchFamily="18" charset="0"/>
+              </a:rPr>
+              <a:t>Игра</a:t>
+            </a:r>
+            <a:r>
+              <a:rPr lang="en-US" sz="2400" dirty="0" smtClean="0">
+                <a:solidFill>
+                  <a:schemeClr val="tx1"/>
+                </a:solidFill>
+                <a:latin typeface="Times New Roman" panose="02020603050405020304" pitchFamily="18" charset="0"/>
+                <a:cs typeface="Times New Roman" panose="02020603050405020304" pitchFamily="18" charset="0"/>
+              </a:rPr>
+              <a:t>,</a:t>
+            </a:r>
+            <a:r>
+              <a:rPr lang="ru-RU" sz="2400" dirty="0" smtClean="0">
+                <a:solidFill>
+                  <a:schemeClr val="tx1"/>
+                </a:solidFill>
+                <a:latin typeface="Times New Roman" panose="02020603050405020304" pitchFamily="18" charset="0"/>
+                <a:cs typeface="Times New Roman" panose="02020603050405020304" pitchFamily="18" charset="0"/>
+              </a:rPr>
+              <a:t> правила которой знает каждый.</a:t>
+            </a:r>
+            <a:endParaRPr lang="ru-RU" sz="2400" dirty="0" smtClean="0">
+              <a:solidFill>
+                <a:schemeClr val="tx1"/>
+              </a:solidFill>
+              <a:latin typeface="Times New Roman" panose="02020603050405020304" pitchFamily="18" charset="0"/>
+              <a:cs typeface="Times New Roman" panose="02020603050405020304" pitchFamily="18" charset="0"/>
+            </a:endParaRPr>
+          </a:p>
+          <a:p>
+            <a:r>
+              <a:rPr lang="ru-RU" sz="2400" dirty="0">
+                <a:solidFill>
+                  <a:schemeClr val="tx1"/>
+                </a:solidFill>
+                <a:latin typeface="Times New Roman" panose="02020603050405020304" pitchFamily="18" charset="0"/>
+                <a:cs typeface="Times New Roman" panose="02020603050405020304" pitchFamily="18" charset="0"/>
+              </a:rPr>
+              <a:t>На фотографии представлен начальный </a:t>
+            </a:r>
+            <a:r>
+              <a:rPr lang="ru-RU" sz="2400" dirty="0" smtClean="0">
+                <a:solidFill>
+                  <a:schemeClr val="tx1"/>
+                </a:solidFill>
+                <a:latin typeface="Times New Roman" panose="02020603050405020304" pitchFamily="18" charset="0"/>
+                <a:cs typeface="Times New Roman" panose="02020603050405020304" pitchFamily="18" charset="0"/>
+              </a:rPr>
+              <a:t>экран, </a:t>
+            </a:r>
+            <a:r>
+              <a:rPr lang="ru-RU" sz="2400" dirty="0">
+                <a:solidFill>
+                  <a:schemeClr val="tx1"/>
+                </a:solidFill>
+                <a:latin typeface="Times New Roman" panose="02020603050405020304" pitchFamily="18" charset="0"/>
+                <a:cs typeface="Times New Roman" panose="02020603050405020304" pitchFamily="18" charset="0"/>
+              </a:rPr>
+              <a:t>где пользователь </a:t>
+            </a:r>
+            <a:r>
+              <a:rPr lang="ru-RU" sz="2400" dirty="0" smtClean="0">
+                <a:solidFill>
+                  <a:schemeClr val="tx1"/>
+                </a:solidFill>
+                <a:latin typeface="Times New Roman" panose="02020603050405020304" pitchFamily="18" charset="0"/>
+                <a:cs typeface="Times New Roman" panose="02020603050405020304" pitchFamily="18" charset="0"/>
+              </a:rPr>
+              <a:t>видит название игры, авторов проекта и кнопку для начала игры.</a:t>
+            </a:r>
+          </a:p>
+        </p:txBody>
+      </p:sp>
       <p:pic>
         <p:nvPicPr>
-          <p:cNvPr id="5" name="Объект 4"/>
+          <p:cNvPr id="3" name="Объект 2"/>
           <p:cNvPicPr>
             <a:picLocks noGrp="1" noChangeAspect="1"/>
           </p:cNvPicPr>
@@ -5536,78 +5663,24 @@
           </p:nvPr>
         </p:nvPicPr>
         <p:blipFill>
-          <a:blip r:embed="rId2"/>
+          <a:blip r:embed="rId2">
+            <a:extLst>
+              <a:ext uri="{28A0092B-C50C-407E-A947-70E740481C1C}">
+                <a14:useLocalDpi xmlns:a14="http://schemas.microsoft.com/office/drawing/2010/main" val="0"/>
+              </a:ext>
+            </a:extLst>
+          </a:blip>
           <a:stretch>
             <a:fillRect/>
           </a:stretch>
         </p:blipFill>
         <p:spPr>
           <a:xfrm>
-            <a:off x="862149" y="1166558"/>
-            <a:ext cx="4004463" cy="4223005"/>
+            <a:off x="256305" y="685799"/>
+            <a:ext cx="5412975" cy="5412975"/>
           </a:xfrm>
-          <a:prstGeom prst="rect">
-            <a:avLst/>
-          </a:prstGeom>
         </p:spPr>
       </p:pic>
-      <p:sp>
-        <p:nvSpPr>
-          <p:cNvPr id="4" name="Объект 3"/>
-          <p:cNvSpPr>
-            <a:spLocks noGrp="1"/>
-          </p:cNvSpPr>
-          <p:nvPr>
-            <p:ph sz="half" idx="2"/>
-          </p:nvPr>
-        </p:nvSpPr>
-        <p:spPr>
-          <a:xfrm>
-            <a:off x="5869578" y="1166558"/>
-            <a:ext cx="5282338" cy="4223081"/>
-          </a:xfrm>
-        </p:spPr>
-        <p:txBody>
-          <a:bodyPr>
-            <a:normAutofit/>
-          </a:bodyPr>
-          <a:lstStyle/>
-          <a:p>
-            <a:r>
-              <a:rPr lang="ru-RU" sz="2400" dirty="0" smtClean="0">
-                <a:solidFill>
-                  <a:schemeClr val="tx1"/>
-                </a:solidFill>
-                <a:latin typeface="Times New Roman" panose="02020603050405020304" pitchFamily="18" charset="0"/>
-                <a:cs typeface="Times New Roman" panose="02020603050405020304" pitchFamily="18" charset="0"/>
-              </a:rPr>
-              <a:t>Это Змейка. Игра со всеми нам известными правилами.</a:t>
-            </a:r>
-          </a:p>
-          <a:p>
-            <a:r>
-              <a:rPr lang="ru-RU" sz="2400" dirty="0">
-                <a:solidFill>
-                  <a:schemeClr val="tx1"/>
-                </a:solidFill>
-                <a:latin typeface="Times New Roman" panose="02020603050405020304" pitchFamily="18" charset="0"/>
-                <a:cs typeface="Times New Roman" panose="02020603050405020304" pitchFamily="18" charset="0"/>
-              </a:rPr>
-              <a:t>На фотографии представлен начальный экран где пользователь </a:t>
-            </a:r>
-            <a:r>
-              <a:rPr lang="ru-RU" sz="2400" dirty="0" smtClean="0">
-                <a:solidFill>
-                  <a:schemeClr val="tx1"/>
-                </a:solidFill>
-                <a:latin typeface="Times New Roman" panose="02020603050405020304" pitchFamily="18" charset="0"/>
-                <a:cs typeface="Times New Roman" panose="02020603050405020304" pitchFamily="18" charset="0"/>
-              </a:rPr>
-              <a:t>видит название игры, авторов проекта и кнопку для начала игры.</a:t>
-            </a:r>
-          </a:p>
-        </p:txBody>
-      </p:sp>
     </p:spTree>
     <p:extLst>
       <p:ext uri="{BB962C8B-B14F-4D97-AF65-F5344CB8AC3E}">
@@ -5618,10 +5691,142 @@
   <p:clrMapOvr>
     <a:masterClrMapping/>
   </p:clrMapOvr>
+  <p:timing>
+    <p:tnLst>
+      <p:par>
+        <p:cTn id="1" dur="indefinite" restart="never" nodeType="tmRoot"/>
+      </p:par>
+    </p:tnLst>
+  </p:timing>
 </p:sld>
 </file>
 
 <file path=ppt/slides/slide3.xml><?xml version="1.0" encoding="utf-8"?>
+<p:sld xmlns:a="http://schemas.openxmlformats.org/drawingml/2006/main" xmlns:r="http://schemas.openxmlformats.org/officeDocument/2006/relationships" xmlns:p="http://schemas.openxmlformats.org/presentationml/2006/main">
+  <p:cSld>
+    <p:spTree>
+      <p:nvGrpSpPr>
+        <p:cNvPr id="1" name=""/>
+        <p:cNvGrpSpPr/>
+        <p:nvPr/>
+      </p:nvGrpSpPr>
+      <p:grpSpPr>
+        <a:xfrm>
+          <a:off x="0" y="0"/>
+          <a:ext cx="0" cy="0"/>
+          <a:chOff x="0" y="0"/>
+          <a:chExt cx="0" cy="0"/>
+        </a:xfrm>
+      </p:grpSpPr>
+      <p:sp>
+        <p:nvSpPr>
+          <p:cNvPr id="2" name="Заголовок 1"/>
+          <p:cNvSpPr>
+            <a:spLocks noGrp="1"/>
+          </p:cNvSpPr>
+          <p:nvPr>
+            <p:ph type="title"/>
+          </p:nvPr>
+        </p:nvSpPr>
+        <p:spPr>
+          <a:xfrm>
+            <a:off x="2795450" y="757646"/>
+            <a:ext cx="8107679" cy="751355"/>
+          </a:xfrm>
+        </p:spPr>
+        <p:txBody>
+          <a:bodyPr>
+            <a:normAutofit/>
+          </a:bodyPr>
+          <a:lstStyle/>
+          <a:p>
+            <a:r>
+              <a:rPr lang="ru-RU" dirty="0" smtClean="0"/>
+              <a:t>Процесс и конец игры</a:t>
+            </a:r>
+            <a:endParaRPr lang="ru-RU" dirty="0"/>
+          </a:p>
+        </p:txBody>
+      </p:sp>
+      <p:pic>
+        <p:nvPicPr>
+          <p:cNvPr id="5" name="Объект 4"/>
+          <p:cNvPicPr>
+            <a:picLocks noGrp="1" noChangeAspect="1"/>
+          </p:cNvPicPr>
+          <p:nvPr>
+            <p:ph sz="half" idx="1"/>
+          </p:nvPr>
+        </p:nvPicPr>
+        <p:blipFill>
+          <a:blip r:embed="rId2">
+            <a:extLst>
+              <a:ext uri="{28A0092B-C50C-407E-A947-70E740481C1C}">
+                <a14:useLocalDpi xmlns:a14="http://schemas.microsoft.com/office/drawing/2010/main" val="0"/>
+              </a:ext>
+            </a:extLst>
+          </a:blip>
+          <a:stretch>
+            <a:fillRect/>
+          </a:stretch>
+        </p:blipFill>
+        <p:spPr>
+          <a:xfrm>
+            <a:off x="838790" y="1704702"/>
+            <a:ext cx="4896394" cy="4896394"/>
+          </a:xfrm>
+        </p:spPr>
+      </p:pic>
+      <p:pic>
+        <p:nvPicPr>
+          <p:cNvPr id="6" name="Объект 5"/>
+          <p:cNvPicPr>
+            <a:picLocks noGrp="1" noChangeAspect="1"/>
+          </p:cNvPicPr>
+          <p:nvPr>
+            <p:ph sz="half" idx="2"/>
+          </p:nvPr>
+        </p:nvPicPr>
+        <p:blipFill>
+          <a:blip r:embed="rId3">
+            <a:extLst>
+              <a:ext uri="{28A0092B-C50C-407E-A947-70E740481C1C}">
+                <a14:useLocalDpi xmlns:a14="http://schemas.microsoft.com/office/drawing/2010/main" val="0"/>
+              </a:ext>
+            </a:extLst>
+          </a:blip>
+          <a:stretch>
+            <a:fillRect/>
+          </a:stretch>
+        </p:blipFill>
+        <p:spPr>
+          <a:xfrm>
+            <a:off x="6519342" y="1686085"/>
+            <a:ext cx="4819218" cy="4819218"/>
+          </a:xfrm>
+        </p:spPr>
+      </p:pic>
+    </p:spTree>
+    <p:extLst>
+      <p:ext uri="{BB962C8B-B14F-4D97-AF65-F5344CB8AC3E}">
+        <p14:creationId xmlns:p14="http://schemas.microsoft.com/office/powerpoint/2010/main" val="13993049"/>
+      </p:ext>
+    </p:extLst>
+  </p:cSld>
+  <p:clrMapOvr>
+    <a:masterClrMapping/>
+  </p:clrMapOvr>
+  <p:timing>
+    <p:tnLst>
+      <p:par>
+        <p:cTn id="1" dur="indefinite" restart="never" nodeType="tmRoot"/>
+      </p:par>
+    </p:tnLst>
+  </p:timing>
+</p:sld>
+</file>
+
+<file path=ppt/slides/slide4.xml><?xml version="1.0" encoding="utf-8"?>
 <p:sld xmlns:a="http://schemas.openxmlformats.org/drawingml/2006/main" xmlns:r="http://schemas.openxmlformats.org/officeDocument/2006/relationships" xmlns:p="http://schemas.openxmlformats.org/presentationml/2006/main">
   <p:cSld>
     <p:spTree>
@@ -5743,10 +5948,17 @@
   <p:clrMapOvr>
     <a:masterClrMapping/>
   </p:clrMapOvr>
+  <p:timing>
+    <p:tnLst>
+      <p:par>
+        <p:cTn id="1" dur="indefinite" restart="never" nodeType="tmRoot"/>
+      </p:par>
+    </p:tnLst>
+  </p:timing>
 </p:sld>
 </file>
 
-<file path=ppt/slides/slide4.xml><?xml version="1.0" encoding="utf-8"?>
+<file path=ppt/slides/slide5.xml><?xml version="1.0" encoding="utf-8"?>
 <p:sld xmlns:a="http://schemas.openxmlformats.org/drawingml/2006/main" xmlns:r="http://schemas.openxmlformats.org/officeDocument/2006/relationships" xmlns:p="http://schemas.openxmlformats.org/presentationml/2006/main">
   <p:cSld>
     <p:spTree>
@@ -5912,10 +6124,17 @@
   <p:clrMapOvr>
     <a:masterClrMapping/>
   </p:clrMapOvr>
+  <p:timing>
+    <p:tnLst>
+      <p:par>
+        <p:cTn id="1" dur="indefinite" restart="never" nodeType="tmRoot"/>
+      </p:par>
+    </p:tnLst>
+  </p:timing>
 </p:sld>
 </file>
 
-<file path=ppt/slides/slide5.xml><?xml version="1.0" encoding="utf-8"?>
+<file path=ppt/slides/slide6.xml><?xml version="1.0" encoding="utf-8"?>
 <p:sld xmlns:a="http://schemas.openxmlformats.org/drawingml/2006/main" xmlns:r="http://schemas.openxmlformats.org/officeDocument/2006/relationships" xmlns:p="http://schemas.openxmlformats.org/presentationml/2006/main">
   <p:cSld>
     <p:spTree>
@@ -6003,6 +6222,13 @@
   <p:clrMapOvr>
     <a:masterClrMapping/>
   </p:clrMapOvr>
+  <p:timing>
+    <p:tnLst>
+      <p:par>
+        <p:cTn id="1" dur="indefinite" restart="never" nodeType="tmRoot"/>
+      </p:par>
+    </p:tnLst>
+  </p:timing>
 </p:sld>
 </file>
 
